--- a/OCPPTSCSAHandsonLabs/MCW-Cloud-native-applications/Whiteboard design session/白板设计讲师presentation.pptx
+++ b/OCPPTSCSAHandsonLabs/MCW-Cloud-native-applications/Whiteboard design session/白板设计讲师presentation.pptx
@@ -223,7 +223,7 @@
           <a:p>
             <a:fld id="{52A13B17-C506-4D51-BB37-16B365906619}" type="datetimeFigureOut">
               <a:rPr lang="en-US" smtClean="0"/>
-              <a:t>4/29/2021</a:t>
+              <a:t>6/6/2021</a:t>
             </a:fld>
             <a:endParaRPr lang="en-US" dirty="0"/>
           </a:p>
@@ -2262,7 +2262,7 @@
                   <a:prstClr val="black"/>
                 </a:solidFill>
               </a:rPr>
-              <a:t>4/29/2021 9:54 AM</a:t>
+              <a:t>6/6/2021 8:54 AM</a:t>
             </a:fld>
             <a:endParaRPr lang="en-US" dirty="0">
               <a:solidFill>
@@ -15406,7 +15406,7 @@
         <p:spPr>
           <a:xfrm>
             <a:off x="269240" y="1342422"/>
-            <a:ext cx="11653523" cy="5058386"/>
+            <a:ext cx="11719560" cy="5058386"/>
           </a:xfrm>
         </p:spPr>
         <p:txBody>
@@ -15466,7 +15466,43 @@
                 </a:solidFill>
                 <a:latin typeface="+mj-lt"/>
               </a:rPr>
-              <a:t>数据迁移到宇宙数据库
+              <a:t>数据迁移到</a:t>
+            </a:r>
+            <a:r>
+              <a:rPr lang="en-US" altLang="zh-CN" sz="3000" dirty="0">
+                <a:solidFill>
+                  <a:schemeClr val="tx1"/>
+                </a:solidFill>
+                <a:latin typeface="+mj-lt"/>
+              </a:rPr>
+              <a:t>Cosmos</a:t>
+            </a:r>
+            <a:r>
+              <a:rPr lang="zh-CN" altLang="en-US" sz="3000" dirty="0">
+                <a:solidFill>
+                  <a:schemeClr val="tx1"/>
+                </a:solidFill>
+                <a:latin typeface="+mj-lt"/>
+              </a:rPr>
+              <a:t> </a:t>
+            </a:r>
+            <a:r>
+              <a:rPr lang="en-US" altLang="zh-CN" sz="3000" dirty="0">
+                <a:solidFill>
+                  <a:schemeClr val="tx1"/>
+                </a:solidFill>
+                <a:latin typeface="+mj-lt"/>
+              </a:rPr>
+              <a:t>DB</a:t>
+            </a:r>
+            <a:r>
+              <a:rPr lang="zh-CN" altLang="en-US" sz="3000" dirty="0">
+                <a:solidFill>
+                  <a:schemeClr val="tx1"/>
+                </a:solidFill>
+                <a:latin typeface="+mj-lt"/>
+              </a:rPr>
+              <a:t>
 将关系数据从 </a:t>
             </a:r>
             <a:r>
@@ -15494,7 +15530,7 @@
                 </a:solidFill>
                 <a:latin typeface="+mj-lt"/>
               </a:rPr>
-              <a:t>本地数据库迁移到微软 </a:t>
+              <a:t>本地数据库迁移到微软</a:t>
             </a:r>
             <a:r>
               <a:rPr lang="en-US" altLang="zh-CN" sz="3000" dirty="0">
@@ -15550,7 +15586,7 @@
                 </a:solidFill>
                 <a:latin typeface="+mj-lt"/>
               </a:rPr>
-              <a:t>操作视为首选的 </a:t>
+              <a:t> </a:t>
             </a:r>
             <a:r>
               <a:rPr lang="en-US" altLang="zh-CN" sz="3000" dirty="0">
@@ -15559,7 +15595,25 @@
                 </a:solidFill>
                 <a:latin typeface="+mj-lt"/>
               </a:rPr>
-              <a:t>CICD </a:t>
+              <a:t>Action</a:t>
+            </a:r>
+            <a:r>
+              <a:rPr lang="zh-CN" altLang="en-US" sz="3000" dirty="0">
+                <a:solidFill>
+                  <a:schemeClr val="tx1"/>
+                </a:solidFill>
+                <a:latin typeface="+mj-lt"/>
+              </a:rPr>
+              <a:t>视为首选的 </a:t>
+            </a:r>
+            <a:r>
+              <a:rPr lang="en-US" altLang="zh-CN" sz="3000" dirty="0">
+                <a:solidFill>
+                  <a:schemeClr val="tx1"/>
+                </a:solidFill>
+                <a:latin typeface="+mj-lt"/>
+              </a:rPr>
+              <a:t>CI/CD </a:t>
             </a:r>
             <a:r>
               <a:rPr lang="zh-CN" altLang="en-US" sz="3000" dirty="0">
@@ -15732,7 +15786,7 @@
                   <a:schemeClr val="tx1"/>
                 </a:solidFill>
               </a:rPr>
-              <a:t>CICD </a:t>
+              <a:t>CI/CD </a:t>
             </a:r>
             <a:r>
               <a:rPr lang="zh-CN" altLang="en-US" sz="3000" dirty="0">
@@ -15741,8 +15795,8 @@
                 </a:solidFill>
               </a:rPr>
               <a:t>集成、容器调度、编排、监控和警报
-他们希望完成为单个租户培训团队和完善流程的拟议解决方案的实施
-加强与 </a:t>
+希望通过为一个租户提供建议解决方案并实施来总结经验，用于培训团队和优化流程
+通过</a:t>
             </a:r>
             <a:r>
               <a:rPr lang="en-US" altLang="zh-CN" sz="3000" dirty="0">
@@ -15750,7 +15804,7 @@
                   <a:schemeClr val="tx1"/>
                 </a:solidFill>
               </a:rPr>
-              <a:t>AI </a:t>
+              <a:t>AI</a:t>
             </a:r>
             <a:r>
               <a:rPr lang="zh-CN" altLang="en-US" sz="3000" dirty="0">
@@ -15758,7 +15812,23 @@
                   <a:schemeClr val="tx1"/>
                 </a:solidFill>
               </a:rPr>
-              <a:t>的与会者会议反馈，以防止发布不当内容，并实时语言翻译，以更好地适应不断增长的全球会议出席人数。</a:t>
+              <a:t>服务加强</a:t>
+            </a:r>
+            <a:r>
+              <a:rPr lang="en-US" altLang="zh-CN" sz="3000" dirty="0">
+                <a:solidFill>
+                  <a:schemeClr val="tx1"/>
+                </a:solidFill>
+              </a:rPr>
+              <a:t> </a:t>
+            </a:r>
+            <a:r>
+              <a:rPr lang="zh-CN" altLang="en-US" sz="3000" dirty="0">
+                <a:solidFill>
+                  <a:schemeClr val="tx1"/>
+                </a:solidFill>
+              </a:rPr>
+              <a:t>与会者会议体验，帮助租户防止发布不当内容，并提供实时语言翻译，以更好地适应不断增长的全球会议出席人数。</a:t>
             </a:r>
             <a:endParaRPr lang="en-US" sz="3000" dirty="0">
               <a:latin typeface="+mj-lt"/>
@@ -15995,7 +16065,7 @@
             </a:r>
             <a:r>
               <a:rPr lang="zh-CN" altLang="en-US" sz="3600" b="1" dirty="0"/>
-              <a:t>中是否有选项提供易于管理和迁移的容器编排平台功能，也可以处理我们的规模和管理工作流程要求？</a:t>
+              <a:t>中是否有一些选项提供易于管理和迁移的容器编排平台功能，也可以处理我们的弹性服务能力和管理工作流程要求？</a:t>
             </a:r>
             <a:endParaRPr lang="en-US" sz="3600" b="1" dirty="0"/>
           </a:p>
@@ -16477,7 +16547,7 @@
         </p:nvSpPr>
         <p:spPr>
           <a:xfrm>
-            <a:off x="362057" y="1741246"/>
+            <a:off x="291012" y="1400160"/>
             <a:ext cx="10652686" cy="3594830"/>
           </a:xfrm>
           <a:prstGeom prst="rect">
@@ -16554,13 +16624,13 @@
           <p:nvPr>
             <p:extLst>
               <p:ext uri="{D42A27DB-BD31-4B8C-83A1-F6EECF244321}">
-                <p14:modId xmlns:p14="http://schemas.microsoft.com/office/powerpoint/2010/main" val="3352997180"/>
+                <p14:modId xmlns:p14="http://schemas.microsoft.com/office/powerpoint/2010/main" val="2575825443"/>
               </p:ext>
             </p:extLst>
           </p:nvPr>
         </p:nvGraphicFramePr>
         <p:xfrm>
-          <a:off x="3108071" y="3429000"/>
+          <a:off x="3086299" y="3248219"/>
           <a:ext cx="8040154" cy="3493542"/>
         </p:xfrm>
         <a:graphic>
@@ -17063,7 +17133,7 @@
               <a:rPr lang="zh-CN" altLang="en-US" sz="2400" dirty="0">
                 <a:latin typeface="+mj-lt"/>
               </a:rPr>
-              <a:t>分钟</a:t>
+              <a:t>分钟）</a:t>
             </a:r>
             <a:endParaRPr lang="en-US" altLang="zh-CN" sz="2400" dirty="0">
               <a:latin typeface="+mj-lt"/>
@@ -17106,11 +17176,11 @@
               <a:rPr lang="zh-CN" altLang="en-US" dirty="0">
                 <a:latin typeface="+mj-lt"/>
               </a:rPr>
-              <a:t>与另一张桌子配对。
-一张桌子是微软团队，另一张桌子是客户。
+              <a:t>与另一张桌子成员配对。
+一张桌子代表微软团队，另一张桌子代表客户。
 微软团队向客户提出他们提出的解决方案。
 客户从案例研究中的异议列表中询问其中一项异议。
-微软团队回应了反对意见。
+微软团队回应客户的质疑观点。
 客户团队向微软团队提供反馈</a:t>
             </a:r>
             <a:r>
@@ -18030,14 +18100,6 @@
                 </a:solidFill>
               </a:rPr>
               <a:t>首选解决方案 </a:t>
-            </a:r>
-            <a:r>
-              <a:rPr lang="en-US" altLang="zh-CN" sz="4900" dirty="0">
-                <a:solidFill>
-                  <a:schemeClr val="tx1"/>
-                </a:solidFill>
-              </a:rPr>
-              <a:t>2</a:t>
             </a:r>
             <a:br>
               <a:rPr lang="en-US" altLang="zh-CN" sz="4900" dirty="0">
@@ -20174,7 +20236,7 @@
             </a:r>
             <a:r>
               <a:rPr lang="en-US" altLang="zh-CN" sz="3600" b="1" dirty="0"/>
-              <a:t>"</a:t>
+              <a:t>“</a:t>
             </a:r>
             <a:r>
               <a:rPr lang="zh-CN" altLang="en-US" sz="3600" b="1" dirty="0"/>
@@ -20182,7 +20244,7 @@
             </a:r>
             <a:r>
               <a:rPr lang="en-US" altLang="zh-CN" sz="3600" b="1" dirty="0"/>
-              <a:t>"</a:t>
+              <a:t>”</a:t>
             </a:r>
             <a:r>
               <a:rPr lang="zh-CN" altLang="en-US" sz="3600" b="1" dirty="0"/>
@@ -20190,7 +20252,7 @@
             </a:r>
             <a:r>
               <a:rPr lang="en-US" altLang="zh-CN" sz="3600" b="1" dirty="0"/>
-              <a:t>"</a:t>
+              <a:t>“</a:t>
             </a:r>
             <a:r>
               <a:rPr lang="zh-CN" altLang="en-US" sz="3600" b="1" dirty="0"/>
@@ -20198,7 +20260,7 @@
             </a:r>
             <a:r>
               <a:rPr lang="en-US" altLang="zh-CN" sz="3600" b="1" dirty="0"/>
-              <a:t>"</a:t>
+              <a:t>”</a:t>
             </a:r>
             <a:r>
               <a:rPr lang="zh-CN" altLang="en-US" sz="3600" b="1" dirty="0"/>
@@ -20224,7 +20286,7 @@
             <a:r>
               <a:rPr lang="zh-CN" altLang="en-US" sz="2400" b="1" dirty="0"/>
               <a:t>中拥有一个数据库。
-获取并配置了最新的功能会议代码库的副本，以指向租户数据库</a:t>
+从代码库获取并配置了最新业务逻辑的代码副本，以指向租户数据库</a:t>
             </a:r>
             <a:endParaRPr lang="en-US" altLang="zh-CN" sz="2400" b="1" dirty="0"/>
           </a:p>
@@ -20240,7 +20302,7 @@
             </a:r>
             <a:r>
               <a:rPr lang="zh-CN" altLang="en-US" sz="2400" b="1" dirty="0"/>
-              <a:t>租户的代码被部署到特定的负载平衡 </a:t>
+              <a:t>租户的代码被部署到特定的</a:t>
             </a:r>
             <a:r>
               <a:rPr lang="en-US" altLang="zh-CN" sz="2400" b="1" dirty="0"/>
@@ -20248,8 +20310,8 @@
             </a:r>
             <a:r>
               <a:rPr lang="zh-CN" altLang="en-US" sz="2400" b="1" dirty="0"/>
-              <a:t>服务器组，专用于一个或多个租户。
-一旦会议现场直播，部署的自定义请求就开始了。</a:t>
+              <a:t>集群，专用于一个或多个租户。
+一旦会议系统上线，部署的自定义请求就开始了。</a:t>
             </a:r>
             <a:endParaRPr lang="en-US" sz="2400" b="1" dirty="0"/>
           </a:p>
@@ -20355,52 +20417,6 @@
           </a:p>
         </p:txBody>
       </p:sp>
-      <p:pic>
-        <p:nvPicPr>
-          <p:cNvPr id="4" name="Graphic 3" descr="Speech icon">
-            <a:extLst>
-              <a:ext uri="{FF2B5EF4-FFF2-40B4-BE49-F238E27FC236}">
-                <a16:creationId xmlns:a16="http://schemas.microsoft.com/office/drawing/2014/main" id="{475009F3-F585-BA45-A864-378F7513E5C5}"/>
-              </a:ext>
-            </a:extLst>
-          </p:cNvPr>
-          <p:cNvPicPr>
-            <a:picLocks noChangeAspect="1"/>
-          </p:cNvPicPr>
-          <p:nvPr/>
-        </p:nvPicPr>
-        <p:blipFill>
-          <a:blip r:embed="rId3">
-            <a:extLst>
-              <a:ext uri="{28A0092B-C50C-407E-A947-70E740481C1C}">
-                <a14:useLocalDpi xmlns:a14="http://schemas.microsoft.com/office/drawing/2010/main" val="0"/>
-              </a:ext>
-              <a:ext uri="{96DAC541-7B7A-43D3-8B79-37D633B846F1}">
-                <asvg:svgBlip xmlns:asvg="http://schemas.microsoft.com/office/drawing/2016/SVG/main" r:embed="rId4"/>
-              </a:ext>
-            </a:extLst>
-          </a:blip>
-          <a:stretch>
-            <a:fillRect/>
-          </a:stretch>
-        </p:blipFill>
-        <p:spPr>
-          <a:xfrm>
-            <a:off x="8518775" y="4852416"/>
-            <a:ext cx="3403986" cy="2005584"/>
-          </a:xfrm>
-          <a:prstGeom prst="rect">
-            <a:avLst/>
-          </a:prstGeom>
-          <a:effectLst>
-            <a:outerShdw blurRad="76200" dir="18900000" sy="23000" kx="-1200000" algn="bl" rotWithShape="0">
-              <a:prstClr val="black">
-                <a:alpha val="20000"/>
-              </a:prstClr>
-            </a:outerShdw>
-          </a:effectLst>
-        </p:spPr>
-      </p:pic>
       <p:sp>
         <p:nvSpPr>
           <p:cNvPr id="3" name="Content Placeholder 2"/>
@@ -20430,12 +20446,12 @@
             </a:r>
             <a:r>
               <a:rPr lang="zh-CN" altLang="en-US" sz="2400" b="1" dirty="0"/>
-              <a:t>更改时，减少引入功能租户代码的潜在回归
+              <a:t>更改时，减少引入租户新客户化功能的潜在回归
 理想情况下，对单个区域的更改不需要对站点功能进行完全回归测试
-减少上船新租户的时间
+减少新租户上线的时间
 减少间接管理更改和相关部署
-提高回滚和恢复更改后的能力
-提高系统操作和健康状况的可见性</a:t>
+提高回滚和恢复的能力
+提高系统操作和健康状况的洞察力</a:t>
             </a:r>
             <a:endParaRPr lang="en-US" sz="2800" b="1" dirty="0"/>
           </a:p>
